--- a/meetings/ML_reddit_nlp_meeting_week_1.pptx
+++ b/meetings/ML_reddit_nlp_meeting_week_1.pptx
@@ -3705,8 +3705,13 @@
             </a:r>
             <a:r>
               <a:rPr lang="en-US" dirty="0"/>
-              <a:t>, Kaggle or web scrapers.</a:t>
-            </a:r>
+              <a:t>, Kaggle or web scrapers. Can check out </a:t>
+            </a:r>
+            <a:r>
+              <a:rPr lang="en-US" dirty="0" err="1"/>
+              <a:t>finviz.com</a:t>
+            </a:r>
+            <a:endParaRPr lang="en-US" dirty="0"/>
           </a:p>
           <a:p>
             <a:pPr marL="514350" indent="-514350">
@@ -4148,9 +4153,12 @@
               </a:rPr>
               <a:t>https://github.com/PaddlePaddle/PaddleNLP/tree/develop/examples/few_shot/efl</a:t>
             </a:r>
+            <a:endParaRPr lang="en-NZ" dirty="0"/>
+          </a:p>
+          <a:p>
             <a:r>
               <a:rPr lang="en-NZ" dirty="0"/>
-              <a:t> </a:t>
+              <a:t>Vader NLTK Package </a:t>
             </a:r>
           </a:p>
           <a:p>
